--- a/第五章ppt/PowerPoint.pptx
+++ b/第五章ppt/PowerPoint.pptx
@@ -13,6 +13,8 @@
     <p:sldId id="262" r:id="rId7"/>
     <p:sldId id="263" r:id="rId8"/>
     <p:sldId id="264" r:id="rId9"/>
+    <p:sldId id="265" r:id="rId10"/>
+    <p:sldId id="266" r:id="rId11"/>
   </p:sldIdLst>
   <p:sldSz cx="9144000" cy="6858000" type="screen4x3"/>
   <p:notesSz cx="6858000" cy="9144000"/>
@@ -295,7 +297,7 @@
           <a:p>
             <a:fld id="{530820CF-B880-4189-942D-D702A7CBA730}" type="datetimeFigureOut">
               <a:rPr lang="zh-CN" altLang="en-US" smtClean="0"/>
-              <a:t>2020/6/8</a:t>
+              <a:t>2020/6/9</a:t>
             </a:fld>
             <a:endParaRPr lang="zh-CN" altLang="en-US"/>
           </a:p>
@@ -460,7 +462,7 @@
           <a:p>
             <a:fld id="{530820CF-B880-4189-942D-D702A7CBA730}" type="datetimeFigureOut">
               <a:rPr lang="zh-CN" altLang="en-US" smtClean="0"/>
-              <a:t>2020/6/8</a:t>
+              <a:t>2020/6/9</a:t>
             </a:fld>
             <a:endParaRPr lang="zh-CN" altLang="en-US"/>
           </a:p>
@@ -635,7 +637,7 @@
           <a:p>
             <a:fld id="{530820CF-B880-4189-942D-D702A7CBA730}" type="datetimeFigureOut">
               <a:rPr lang="zh-CN" altLang="en-US" smtClean="0"/>
-              <a:t>2020/6/8</a:t>
+              <a:t>2020/6/9</a:t>
             </a:fld>
             <a:endParaRPr lang="zh-CN" altLang="en-US"/>
           </a:p>
@@ -800,7 +802,7 @@
           <a:p>
             <a:fld id="{530820CF-B880-4189-942D-D702A7CBA730}" type="datetimeFigureOut">
               <a:rPr lang="zh-CN" altLang="en-US" smtClean="0"/>
-              <a:t>2020/6/8</a:t>
+              <a:t>2020/6/9</a:t>
             </a:fld>
             <a:endParaRPr lang="zh-CN" altLang="en-US"/>
           </a:p>
@@ -1041,7 +1043,7 @@
           <a:p>
             <a:fld id="{530820CF-B880-4189-942D-D702A7CBA730}" type="datetimeFigureOut">
               <a:rPr lang="zh-CN" altLang="en-US" smtClean="0"/>
-              <a:t>2020/6/8</a:t>
+              <a:t>2020/6/9</a:t>
             </a:fld>
             <a:endParaRPr lang="zh-CN" altLang="en-US"/>
           </a:p>
@@ -1324,7 +1326,7 @@
           <a:p>
             <a:fld id="{530820CF-B880-4189-942D-D702A7CBA730}" type="datetimeFigureOut">
               <a:rPr lang="zh-CN" altLang="en-US" smtClean="0"/>
-              <a:t>2020/6/8</a:t>
+              <a:t>2020/6/9</a:t>
             </a:fld>
             <a:endParaRPr lang="zh-CN" altLang="en-US"/>
           </a:p>
@@ -1741,7 +1743,7 @@
           <a:p>
             <a:fld id="{530820CF-B880-4189-942D-D702A7CBA730}" type="datetimeFigureOut">
               <a:rPr lang="zh-CN" altLang="en-US" smtClean="0"/>
-              <a:t>2020/6/8</a:t>
+              <a:t>2020/6/9</a:t>
             </a:fld>
             <a:endParaRPr lang="zh-CN" altLang="en-US"/>
           </a:p>
@@ -1854,7 +1856,7 @@
           <a:p>
             <a:fld id="{530820CF-B880-4189-942D-D702A7CBA730}" type="datetimeFigureOut">
               <a:rPr lang="zh-CN" altLang="en-US" smtClean="0"/>
-              <a:t>2020/6/8</a:t>
+              <a:t>2020/6/9</a:t>
             </a:fld>
             <a:endParaRPr lang="zh-CN" altLang="en-US"/>
           </a:p>
@@ -1944,7 +1946,7 @@
           <a:p>
             <a:fld id="{530820CF-B880-4189-942D-D702A7CBA730}" type="datetimeFigureOut">
               <a:rPr lang="zh-CN" altLang="en-US" smtClean="0"/>
-              <a:t>2020/6/8</a:t>
+              <a:t>2020/6/9</a:t>
             </a:fld>
             <a:endParaRPr lang="zh-CN" altLang="en-US"/>
           </a:p>
@@ -2216,7 +2218,7 @@
           <a:p>
             <a:fld id="{530820CF-B880-4189-942D-D702A7CBA730}" type="datetimeFigureOut">
               <a:rPr lang="zh-CN" altLang="en-US" smtClean="0"/>
-              <a:t>2020/6/8</a:t>
+              <a:t>2020/6/9</a:t>
             </a:fld>
             <a:endParaRPr lang="zh-CN" altLang="en-US"/>
           </a:p>
@@ -2464,7 +2466,7 @@
           <a:p>
             <a:fld id="{530820CF-B880-4189-942D-D702A7CBA730}" type="datetimeFigureOut">
               <a:rPr lang="zh-CN" altLang="en-US" smtClean="0"/>
-              <a:t>2020/6/8</a:t>
+              <a:t>2020/6/9</a:t>
             </a:fld>
             <a:endParaRPr lang="zh-CN" altLang="en-US"/>
           </a:p>
@@ -2672,7 +2674,7 @@
           <a:p>
             <a:fld id="{530820CF-B880-4189-942D-D702A7CBA730}" type="datetimeFigureOut">
               <a:rPr lang="zh-CN" altLang="en-US" smtClean="0"/>
-              <a:t>2020/6/8</a:t>
+              <a:t>2020/6/9</a:t>
             </a:fld>
             <a:endParaRPr lang="zh-CN" altLang="en-US"/>
           </a:p>
@@ -3090,6 +3092,548 @@
 </p:sld>
 </file>
 
+<file path=ppt/slides/slide10.xml><?xml version="1.0" encoding="utf-8"?>
+<p:sld xmlns:a="http://schemas.openxmlformats.org/drawingml/2006/main" xmlns:r="http://schemas.openxmlformats.org/officeDocument/2006/relationships" xmlns:p="http://schemas.openxmlformats.org/presentationml/2006/main">
+  <p:cSld>
+    <p:bg>
+      <p:bgPr>
+        <a:solidFill>
+          <a:schemeClr val="bg1"/>
+        </a:solidFill>
+        <a:effectLst/>
+      </p:bgPr>
+    </p:bg>
+    <p:spTree>
+      <p:nvGrpSpPr>
+        <p:cNvPr id="1" name=""/>
+        <p:cNvGrpSpPr/>
+        <p:nvPr/>
+      </p:nvGrpSpPr>
+      <p:grpSpPr>
+        <a:xfrm>
+          <a:off x="0" y="0"/>
+          <a:ext cx="0" cy="0"/>
+          <a:chOff x="0" y="0"/>
+          <a:chExt cx="0" cy="0"/>
+        </a:xfrm>
+      </p:grpSpPr>
+      <p:sp>
+        <p:nvSpPr>
+          <p:cNvPr id="2" name="标题 1"/>
+          <p:cNvSpPr>
+            <a:spLocks noGrp="1"/>
+          </p:cNvSpPr>
+          <p:nvPr>
+            <p:ph type="title"/>
+          </p:nvPr>
+        </p:nvSpPr>
+        <p:spPr/>
+        <p:txBody>
+          <a:bodyPr/>
+          <a:lstStyle/>
+          <a:p>
+            <a:r>
+              <a:rPr lang="zh-CN" altLang="en-US" dirty="0" smtClean="0"/>
+              <a:t>幻灯片背景设置</a:t>
+            </a:r>
+            <a:endParaRPr lang="zh-CN" altLang="en-US" dirty="0"/>
+          </a:p>
+        </p:txBody>
+      </p:sp>
+      <p:pic>
+        <p:nvPicPr>
+          <p:cNvPr id="5" name="内容占位符 4"/>
+          <p:cNvPicPr>
+            <a:picLocks noGrp="1" noChangeAspect="1"/>
+          </p:cNvPicPr>
+          <p:nvPr>
+            <p:ph idx="1"/>
+          </p:nvPr>
+        </p:nvPicPr>
+        <p:blipFill>
+          <a:blip r:embed="rId2">
+            <a:extLst>
+              <a:ext uri="{28A0092B-C50C-407E-A947-70E740481C1C}">
+                <a14:useLocalDpi xmlns:a14="http://schemas.microsoft.com/office/drawing/2010/main" val="0"/>
+              </a:ext>
+            </a:extLst>
+          </a:blip>
+          <a:stretch>
+            <a:fillRect/>
+          </a:stretch>
+        </p:blipFill>
+        <p:spPr>
+          <a:xfrm>
+            <a:off x="6372200" y="1412776"/>
+            <a:ext cx="2571750" cy="4371975"/>
+          </a:xfrm>
+        </p:spPr>
+      </p:pic>
+      <p:sp>
+        <p:nvSpPr>
+          <p:cNvPr id="6" name="TextBox 5"/>
+          <p:cNvSpPr txBox="1"/>
+          <p:nvPr/>
+        </p:nvSpPr>
+        <p:spPr>
+          <a:xfrm>
+            <a:off x="3779912" y="1556792"/>
+            <a:ext cx="1800200" cy="369332"/>
+          </a:xfrm>
+          <a:prstGeom prst="rect">
+            <a:avLst/>
+          </a:prstGeom>
+          <a:noFill/>
+        </p:spPr>
+        <p:txBody>
+          <a:bodyPr wrap="square" rtlCol="0">
+            <a:spAutoFit/>
+          </a:bodyPr>
+          <a:lstStyle/>
+          <a:p>
+            <a:r>
+              <a:rPr lang="zh-CN" altLang="en-US" dirty="0" smtClean="0"/>
+              <a:t>设置背景格式</a:t>
+            </a:r>
+            <a:endParaRPr lang="zh-CN" altLang="en-US" dirty="0"/>
+          </a:p>
+        </p:txBody>
+      </p:sp>
+      <p:sp>
+        <p:nvSpPr>
+          <p:cNvPr id="7" name="右箭头 6"/>
+          <p:cNvSpPr/>
+          <p:nvPr/>
+        </p:nvSpPr>
+        <p:spPr>
+          <a:xfrm>
+            <a:off x="2699792" y="1628800"/>
+            <a:ext cx="504056" cy="216024"/>
+          </a:xfrm>
+          <a:prstGeom prst="rightArrow">
+            <a:avLst/>
+          </a:prstGeom>
+        </p:spPr>
+        <p:style>
+          <a:lnRef idx="2">
+            <a:schemeClr val="accent1">
+              <a:shade val="50000"/>
+            </a:schemeClr>
+          </a:lnRef>
+          <a:fillRef idx="1">
+            <a:schemeClr val="accent1"/>
+          </a:fillRef>
+          <a:effectRef idx="0">
+            <a:schemeClr val="accent1"/>
+          </a:effectRef>
+          <a:fontRef idx="minor">
+            <a:schemeClr val="lt1"/>
+          </a:fontRef>
+        </p:style>
+        <p:txBody>
+          <a:bodyPr rtlCol="0" anchor="ctr"/>
+          <a:lstStyle/>
+          <a:p>
+            <a:pPr algn="ctr"/>
+            <a:endParaRPr lang="zh-CN" altLang="en-US"/>
+          </a:p>
+        </p:txBody>
+      </p:sp>
+      <p:sp>
+        <p:nvSpPr>
+          <p:cNvPr id="8" name="TextBox 7"/>
+          <p:cNvSpPr txBox="1"/>
+          <p:nvPr/>
+        </p:nvSpPr>
+        <p:spPr>
+          <a:xfrm>
+            <a:off x="395536" y="1556792"/>
+            <a:ext cx="1800200" cy="369332"/>
+          </a:xfrm>
+          <a:prstGeom prst="rect">
+            <a:avLst/>
+          </a:prstGeom>
+          <a:noFill/>
+        </p:spPr>
+        <p:txBody>
+          <a:bodyPr wrap="square" rtlCol="0">
+            <a:spAutoFit/>
+          </a:bodyPr>
+          <a:lstStyle/>
+          <a:p>
+            <a:r>
+              <a:rPr lang="zh-CN" altLang="en-US" dirty="0" smtClean="0"/>
+              <a:t>右键单击幻灯片</a:t>
+            </a:r>
+            <a:endParaRPr lang="zh-CN" altLang="en-US" dirty="0"/>
+          </a:p>
+        </p:txBody>
+      </p:sp>
+      <p:sp>
+        <p:nvSpPr>
+          <p:cNvPr id="9" name="TextBox 8"/>
+          <p:cNvSpPr txBox="1"/>
+          <p:nvPr/>
+        </p:nvSpPr>
+        <p:spPr>
+          <a:xfrm>
+            <a:off x="7668344" y="4509120"/>
+            <a:ext cx="1152128" cy="180000"/>
+          </a:xfrm>
+          <a:prstGeom prst="rect">
+            <a:avLst/>
+          </a:prstGeom>
+          <a:noFill/>
+          <a:ln w="19050">
+            <a:solidFill>
+              <a:srgbClr val="FF0000"/>
+            </a:solidFill>
+          </a:ln>
+        </p:spPr>
+        <p:txBody>
+          <a:bodyPr wrap="square" rtlCol="0">
+            <a:spAutoFit/>
+          </a:bodyPr>
+          <a:lstStyle/>
+          <a:p>
+            <a:endParaRPr lang="zh-CN" altLang="en-US" dirty="0"/>
+          </a:p>
+        </p:txBody>
+      </p:sp>
+      <p:pic>
+        <p:nvPicPr>
+          <p:cNvPr id="10" name="图片 9"/>
+          <p:cNvPicPr>
+            <a:picLocks noChangeAspect="1"/>
+          </p:cNvPicPr>
+          <p:nvPr/>
+        </p:nvPicPr>
+        <p:blipFill>
+          <a:blip r:embed="rId3">
+            <a:extLst>
+              <a:ext uri="{28A0092B-C50C-407E-A947-70E740481C1C}">
+                <a14:useLocalDpi xmlns:a14="http://schemas.microsoft.com/office/drawing/2010/main" val="0"/>
+              </a:ext>
+            </a:extLst>
+          </a:blip>
+          <a:stretch>
+            <a:fillRect/>
+          </a:stretch>
+        </p:blipFill>
+        <p:spPr>
+          <a:xfrm>
+            <a:off x="179512" y="2636912"/>
+            <a:ext cx="3139466" cy="3146474"/>
+          </a:xfrm>
+          <a:prstGeom prst="rect">
+            <a:avLst/>
+          </a:prstGeom>
+        </p:spPr>
+      </p:pic>
+      <p:sp>
+        <p:nvSpPr>
+          <p:cNvPr id="11" name="TextBox 10"/>
+          <p:cNvSpPr txBox="1"/>
+          <p:nvPr/>
+        </p:nvSpPr>
+        <p:spPr>
+          <a:xfrm>
+            <a:off x="179512" y="2852936"/>
+            <a:ext cx="576064" cy="180000"/>
+          </a:xfrm>
+          <a:prstGeom prst="rect">
+            <a:avLst/>
+          </a:prstGeom>
+          <a:noFill/>
+          <a:ln w="19050">
+            <a:solidFill>
+              <a:srgbClr val="FF0000"/>
+            </a:solidFill>
+          </a:ln>
+        </p:spPr>
+        <p:txBody>
+          <a:bodyPr wrap="square" rtlCol="0">
+            <a:spAutoFit/>
+          </a:bodyPr>
+          <a:lstStyle/>
+          <a:p>
+            <a:endParaRPr lang="zh-CN" altLang="en-US" dirty="0"/>
+          </a:p>
+        </p:txBody>
+      </p:sp>
+      <p:cxnSp>
+        <p:nvCxnSpPr>
+          <p:cNvPr id="13" name="直接箭头连接符 12"/>
+          <p:cNvCxnSpPr/>
+          <p:nvPr/>
+        </p:nvCxnSpPr>
+        <p:spPr>
+          <a:xfrm>
+            <a:off x="827584" y="2942936"/>
+            <a:ext cx="2952328" cy="0"/>
+          </a:xfrm>
+          <a:prstGeom prst="straightConnector1">
+            <a:avLst/>
+          </a:prstGeom>
+          <a:ln w="19050">
+            <a:solidFill>
+              <a:srgbClr val="FF0000"/>
+            </a:solidFill>
+            <a:tailEnd type="arrow"/>
+          </a:ln>
+        </p:spPr>
+        <p:style>
+          <a:lnRef idx="1">
+            <a:schemeClr val="accent1"/>
+          </a:lnRef>
+          <a:fillRef idx="0">
+            <a:schemeClr val="accent1"/>
+          </a:fillRef>
+          <a:effectRef idx="0">
+            <a:schemeClr val="accent1"/>
+          </a:effectRef>
+          <a:fontRef idx="minor">
+            <a:schemeClr val="tx1"/>
+          </a:fontRef>
+        </p:style>
+      </p:cxnSp>
+      <p:sp>
+        <p:nvSpPr>
+          <p:cNvPr id="15" name="TextBox 14"/>
+          <p:cNvSpPr txBox="1"/>
+          <p:nvPr/>
+        </p:nvSpPr>
+        <p:spPr>
+          <a:xfrm>
+            <a:off x="188468" y="3089024"/>
+            <a:ext cx="576064" cy="468000"/>
+          </a:xfrm>
+          <a:prstGeom prst="rect">
+            <a:avLst/>
+          </a:prstGeom>
+          <a:noFill/>
+          <a:ln w="19050">
+            <a:solidFill>
+              <a:srgbClr val="FF0000"/>
+            </a:solidFill>
+          </a:ln>
+        </p:spPr>
+        <p:txBody>
+          <a:bodyPr wrap="square" rtlCol="0">
+            <a:spAutoFit/>
+          </a:bodyPr>
+          <a:lstStyle/>
+          <a:p>
+            <a:endParaRPr lang="zh-CN" altLang="en-US" dirty="0"/>
+          </a:p>
+        </p:txBody>
+      </p:sp>
+      <p:cxnSp>
+        <p:nvCxnSpPr>
+          <p:cNvPr id="16" name="直接箭头连接符 15"/>
+          <p:cNvCxnSpPr/>
+          <p:nvPr/>
+        </p:nvCxnSpPr>
+        <p:spPr>
+          <a:xfrm>
+            <a:off x="825758" y="3323024"/>
+            <a:ext cx="2810138" cy="1186096"/>
+          </a:xfrm>
+          <a:prstGeom prst="straightConnector1">
+            <a:avLst/>
+          </a:prstGeom>
+          <a:ln w="19050">
+            <a:solidFill>
+              <a:srgbClr val="FF0000"/>
+            </a:solidFill>
+            <a:tailEnd type="arrow"/>
+          </a:ln>
+        </p:spPr>
+        <p:style>
+          <a:lnRef idx="1">
+            <a:schemeClr val="accent1"/>
+          </a:lnRef>
+          <a:fillRef idx="0">
+            <a:schemeClr val="accent1"/>
+          </a:fillRef>
+          <a:effectRef idx="0">
+            <a:schemeClr val="accent1"/>
+          </a:effectRef>
+          <a:fontRef idx="minor">
+            <a:schemeClr val="tx1"/>
+          </a:fontRef>
+        </p:style>
+      </p:cxnSp>
+      <p:sp>
+        <p:nvSpPr>
+          <p:cNvPr id="18" name="TextBox 17"/>
+          <p:cNvSpPr txBox="1"/>
+          <p:nvPr/>
+        </p:nvSpPr>
+        <p:spPr>
+          <a:xfrm>
+            <a:off x="3923928" y="2348880"/>
+            <a:ext cx="2376264" cy="1200329"/>
+          </a:xfrm>
+          <a:prstGeom prst="rect">
+            <a:avLst/>
+          </a:prstGeom>
+          <a:noFill/>
+        </p:spPr>
+        <p:txBody>
+          <a:bodyPr wrap="square" rtlCol="0">
+            <a:spAutoFit/>
+          </a:bodyPr>
+          <a:lstStyle/>
+          <a:p>
+            <a:r>
+              <a:rPr lang="zh-CN" altLang="en-US" dirty="0" smtClean="0"/>
+              <a:t>设置幻灯片背景，可以使用图片、纹理、图案等，默认为白色填充</a:t>
+            </a:r>
+            <a:endParaRPr lang="zh-CN" altLang="en-US" dirty="0"/>
+          </a:p>
+        </p:txBody>
+      </p:sp>
+      <p:sp>
+        <p:nvSpPr>
+          <p:cNvPr id="19" name="TextBox 18"/>
+          <p:cNvSpPr txBox="1"/>
+          <p:nvPr/>
+        </p:nvSpPr>
+        <p:spPr>
+          <a:xfrm>
+            <a:off x="3812781" y="4210149"/>
+            <a:ext cx="2376264" cy="646331"/>
+          </a:xfrm>
+          <a:prstGeom prst="rect">
+            <a:avLst/>
+          </a:prstGeom>
+          <a:noFill/>
+        </p:spPr>
+        <p:txBody>
+          <a:bodyPr wrap="square" rtlCol="0">
+            <a:spAutoFit/>
+          </a:bodyPr>
+          <a:lstStyle/>
+          <a:p>
+            <a:r>
+              <a:rPr lang="zh-CN" altLang="en-US" dirty="0" smtClean="0"/>
+              <a:t>只有当填充是图片或纹理时可以设置</a:t>
+            </a:r>
+            <a:endParaRPr lang="zh-CN" altLang="en-US" dirty="0"/>
+          </a:p>
+        </p:txBody>
+      </p:sp>
+      <p:sp>
+        <p:nvSpPr>
+          <p:cNvPr id="21" name="TextBox 20"/>
+          <p:cNvSpPr txBox="1"/>
+          <p:nvPr/>
+        </p:nvSpPr>
+        <p:spPr>
+          <a:xfrm>
+            <a:off x="2636740" y="5517232"/>
+            <a:ext cx="682238" cy="180000"/>
+          </a:xfrm>
+          <a:prstGeom prst="rect">
+            <a:avLst/>
+          </a:prstGeom>
+          <a:noFill/>
+          <a:ln w="19050">
+            <a:solidFill>
+              <a:srgbClr val="FF0000"/>
+            </a:solidFill>
+          </a:ln>
+        </p:spPr>
+        <p:txBody>
+          <a:bodyPr wrap="square" rtlCol="0">
+            <a:spAutoFit/>
+          </a:bodyPr>
+          <a:lstStyle/>
+          <a:p>
+            <a:endParaRPr lang="zh-CN" altLang="en-US" dirty="0"/>
+          </a:p>
+        </p:txBody>
+      </p:sp>
+      <p:cxnSp>
+        <p:nvCxnSpPr>
+          <p:cNvPr id="22" name="直接箭头连接符 21"/>
+          <p:cNvCxnSpPr/>
+          <p:nvPr/>
+        </p:nvCxnSpPr>
+        <p:spPr>
+          <a:xfrm>
+            <a:off x="3347864" y="5671863"/>
+            <a:ext cx="288032" cy="0"/>
+          </a:xfrm>
+          <a:prstGeom prst="straightConnector1">
+            <a:avLst/>
+          </a:prstGeom>
+          <a:ln w="19050">
+            <a:solidFill>
+              <a:srgbClr val="FF0000"/>
+            </a:solidFill>
+            <a:tailEnd type="arrow"/>
+          </a:ln>
+        </p:spPr>
+        <p:style>
+          <a:lnRef idx="1">
+            <a:schemeClr val="accent1"/>
+          </a:lnRef>
+          <a:fillRef idx="0">
+            <a:schemeClr val="accent1"/>
+          </a:fillRef>
+          <a:effectRef idx="0">
+            <a:schemeClr val="accent1"/>
+          </a:effectRef>
+          <a:fontRef idx="minor">
+            <a:schemeClr val="tx1"/>
+          </a:fontRef>
+        </p:style>
+      </p:cxnSp>
+      <p:sp>
+        <p:nvSpPr>
+          <p:cNvPr id="25" name="TextBox 24"/>
+          <p:cNvSpPr txBox="1"/>
+          <p:nvPr/>
+        </p:nvSpPr>
+        <p:spPr>
+          <a:xfrm>
+            <a:off x="3902284" y="5374957"/>
+            <a:ext cx="2376264" cy="646331"/>
+          </a:xfrm>
+          <a:prstGeom prst="rect">
+            <a:avLst/>
+          </a:prstGeom>
+          <a:noFill/>
+        </p:spPr>
+        <p:txBody>
+          <a:bodyPr wrap="square" rtlCol="0">
+            <a:spAutoFit/>
+          </a:bodyPr>
+          <a:lstStyle/>
+          <a:p>
+            <a:r>
+              <a:rPr lang="zh-CN" altLang="en-US" dirty="0" smtClean="0"/>
+              <a:t>将修改应用到所有的幻灯片</a:t>
+            </a:r>
+            <a:endParaRPr lang="zh-CN" altLang="en-US" dirty="0"/>
+          </a:p>
+        </p:txBody>
+      </p:sp>
+    </p:spTree>
+    <p:extLst>
+      <p:ext uri="{BB962C8B-B14F-4D97-AF65-F5344CB8AC3E}">
+        <p14:creationId xmlns:p14="http://schemas.microsoft.com/office/powerpoint/2010/main" val="3912132130"/>
+      </p:ext>
+    </p:extLst>
+  </p:cSld>
+  <p:clrMapOvr>
+    <a:masterClrMapping/>
+  </p:clrMapOvr>
+</p:sld>
+</file>
+
 <file path=ppt/slides/slide2.xml><?xml version="1.0" encoding="utf-8"?>
 <p:sld xmlns:a="http://schemas.openxmlformats.org/drawingml/2006/main" xmlns:r="http://schemas.openxmlformats.org/officeDocument/2006/relationships" xmlns:p="http://schemas.openxmlformats.org/presentationml/2006/main">
   <p:cSld>
@@ -7958,6 +8502,478 @@
       </p:par>
     </p:tnLst>
   </p:timing>
+</p:sld>
+</file>
+
+<file path=ppt/slides/slide9.xml><?xml version="1.0" encoding="utf-8"?>
+<p:sld xmlns:a="http://schemas.openxmlformats.org/drawingml/2006/main" xmlns:r="http://schemas.openxmlformats.org/officeDocument/2006/relationships" xmlns:p="http://schemas.openxmlformats.org/presentationml/2006/main">
+  <p:cSld>
+    <p:bg>
+      <p:bgPr>
+        <a:solidFill>
+          <a:schemeClr val="bg1"/>
+        </a:solidFill>
+        <a:effectLst/>
+      </p:bgPr>
+    </p:bg>
+    <p:spTree>
+      <p:nvGrpSpPr>
+        <p:cNvPr id="1" name=""/>
+        <p:cNvGrpSpPr/>
+        <p:nvPr/>
+      </p:nvGrpSpPr>
+      <p:grpSpPr>
+        <a:xfrm>
+          <a:off x="0" y="0"/>
+          <a:ext cx="0" cy="0"/>
+          <a:chOff x="0" y="0"/>
+          <a:chExt cx="0" cy="0"/>
+        </a:xfrm>
+      </p:grpSpPr>
+      <p:sp>
+        <p:nvSpPr>
+          <p:cNvPr id="2" name="标题 1"/>
+          <p:cNvSpPr>
+            <a:spLocks noGrp="1"/>
+          </p:cNvSpPr>
+          <p:nvPr>
+            <p:ph type="title"/>
+          </p:nvPr>
+        </p:nvSpPr>
+        <p:spPr/>
+        <p:txBody>
+          <a:bodyPr/>
+          <a:lstStyle/>
+          <a:p>
+            <a:r>
+              <a:rPr lang="zh-CN" altLang="en-US" dirty="0" smtClean="0"/>
+              <a:t>删除、复制和移动幻灯片</a:t>
+            </a:r>
+            <a:endParaRPr lang="zh-CN" altLang="en-US" dirty="0"/>
+          </a:p>
+        </p:txBody>
+      </p:sp>
+      <p:pic>
+        <p:nvPicPr>
+          <p:cNvPr id="4" name="内容占位符 3"/>
+          <p:cNvPicPr>
+            <a:picLocks noGrp="1" noChangeAspect="1"/>
+          </p:cNvPicPr>
+          <p:nvPr>
+            <p:ph idx="1"/>
+          </p:nvPr>
+        </p:nvPicPr>
+        <p:blipFill>
+          <a:blip r:embed="rId2">
+            <a:extLst>
+              <a:ext uri="{28A0092B-C50C-407E-A947-70E740481C1C}">
+                <a14:useLocalDpi xmlns:a14="http://schemas.microsoft.com/office/drawing/2010/main" val="0"/>
+              </a:ext>
+            </a:extLst>
+          </a:blip>
+          <a:stretch>
+            <a:fillRect/>
+          </a:stretch>
+        </p:blipFill>
+        <p:spPr>
+          <a:xfrm>
+            <a:off x="6084168" y="1628800"/>
+            <a:ext cx="2571750" cy="4371975"/>
+          </a:xfrm>
+        </p:spPr>
+      </p:pic>
+      <p:sp>
+        <p:nvSpPr>
+          <p:cNvPr id="5" name="TextBox 4"/>
+          <p:cNvSpPr txBox="1"/>
+          <p:nvPr/>
+        </p:nvSpPr>
+        <p:spPr>
+          <a:xfrm>
+            <a:off x="971600" y="2204864"/>
+            <a:ext cx="1800200" cy="646331"/>
+          </a:xfrm>
+          <a:prstGeom prst="rect">
+            <a:avLst/>
+          </a:prstGeom>
+          <a:noFill/>
+        </p:spPr>
+        <p:txBody>
+          <a:bodyPr wrap="square" rtlCol="0">
+            <a:spAutoFit/>
+          </a:bodyPr>
+          <a:lstStyle/>
+          <a:p>
+            <a:r>
+              <a:rPr lang="zh-CN" altLang="en-US" dirty="0" smtClean="0"/>
+              <a:t>右键单击要删除的幻灯片</a:t>
+            </a:r>
+            <a:endParaRPr lang="zh-CN" altLang="en-US" dirty="0"/>
+          </a:p>
+        </p:txBody>
+      </p:sp>
+      <p:sp>
+        <p:nvSpPr>
+          <p:cNvPr id="6" name="右箭头 5"/>
+          <p:cNvSpPr/>
+          <p:nvPr/>
+        </p:nvSpPr>
+        <p:spPr>
+          <a:xfrm>
+            <a:off x="3203848" y="2276872"/>
+            <a:ext cx="648072" cy="360040"/>
+          </a:xfrm>
+          <a:prstGeom prst="rightArrow">
+            <a:avLst/>
+          </a:prstGeom>
+        </p:spPr>
+        <p:style>
+          <a:lnRef idx="2">
+            <a:schemeClr val="accent1">
+              <a:shade val="50000"/>
+            </a:schemeClr>
+          </a:lnRef>
+          <a:fillRef idx="1">
+            <a:schemeClr val="accent1"/>
+          </a:fillRef>
+          <a:effectRef idx="0">
+            <a:schemeClr val="accent1"/>
+          </a:effectRef>
+          <a:fontRef idx="minor">
+            <a:schemeClr val="lt1"/>
+          </a:fontRef>
+        </p:style>
+        <p:txBody>
+          <a:bodyPr rtlCol="0" anchor="ctr"/>
+          <a:lstStyle/>
+          <a:p>
+            <a:pPr algn="ctr"/>
+            <a:endParaRPr lang="zh-CN" altLang="en-US"/>
+          </a:p>
+        </p:txBody>
+      </p:sp>
+      <p:sp>
+        <p:nvSpPr>
+          <p:cNvPr id="7" name="TextBox 6"/>
+          <p:cNvSpPr txBox="1"/>
+          <p:nvPr/>
+        </p:nvSpPr>
+        <p:spPr>
+          <a:xfrm>
+            <a:off x="4644008" y="2134597"/>
+            <a:ext cx="1008112" cy="646331"/>
+          </a:xfrm>
+          <a:prstGeom prst="rect">
+            <a:avLst/>
+          </a:prstGeom>
+          <a:noFill/>
+        </p:spPr>
+        <p:txBody>
+          <a:bodyPr wrap="square" rtlCol="0">
+            <a:spAutoFit/>
+          </a:bodyPr>
+          <a:lstStyle/>
+          <a:p>
+            <a:pPr algn="ctr"/>
+            <a:r>
+              <a:rPr lang="zh-CN" altLang="en-US" dirty="0" smtClean="0"/>
+              <a:t>删除幻灯片</a:t>
+            </a:r>
+            <a:endParaRPr lang="zh-CN" altLang="en-US" dirty="0"/>
+          </a:p>
+        </p:txBody>
+      </p:sp>
+      <p:sp>
+        <p:nvSpPr>
+          <p:cNvPr id="8" name="TextBox 7"/>
+          <p:cNvSpPr txBox="1"/>
+          <p:nvPr/>
+        </p:nvSpPr>
+        <p:spPr>
+          <a:xfrm>
+            <a:off x="7249701" y="3212976"/>
+            <a:ext cx="1152128" cy="180000"/>
+          </a:xfrm>
+          <a:prstGeom prst="rect">
+            <a:avLst/>
+          </a:prstGeom>
+          <a:noFill/>
+          <a:ln w="19050">
+            <a:solidFill>
+              <a:srgbClr val="FF0000"/>
+            </a:solidFill>
+          </a:ln>
+        </p:spPr>
+        <p:txBody>
+          <a:bodyPr wrap="square" rtlCol="0">
+            <a:spAutoFit/>
+          </a:bodyPr>
+          <a:lstStyle/>
+          <a:p>
+            <a:endParaRPr lang="zh-CN" altLang="en-US" dirty="0"/>
+          </a:p>
+        </p:txBody>
+      </p:sp>
+      <p:sp>
+        <p:nvSpPr>
+          <p:cNvPr id="9" name="TextBox 8"/>
+          <p:cNvSpPr txBox="1"/>
+          <p:nvPr/>
+        </p:nvSpPr>
+        <p:spPr>
+          <a:xfrm>
+            <a:off x="971600" y="3430741"/>
+            <a:ext cx="1872208" cy="646331"/>
+          </a:xfrm>
+          <a:prstGeom prst="rect">
+            <a:avLst/>
+          </a:prstGeom>
+          <a:noFill/>
+        </p:spPr>
+        <p:txBody>
+          <a:bodyPr wrap="square" rtlCol="0">
+            <a:spAutoFit/>
+          </a:bodyPr>
+          <a:lstStyle/>
+          <a:p>
+            <a:r>
+              <a:rPr lang="zh-CN" altLang="en-US" dirty="0" smtClean="0"/>
+              <a:t>右键单击要复制的幻灯片</a:t>
+            </a:r>
+            <a:endParaRPr lang="zh-CN" altLang="en-US" dirty="0"/>
+          </a:p>
+        </p:txBody>
+      </p:sp>
+      <p:sp>
+        <p:nvSpPr>
+          <p:cNvPr id="10" name="右箭头 9"/>
+          <p:cNvSpPr/>
+          <p:nvPr/>
+        </p:nvSpPr>
+        <p:spPr>
+          <a:xfrm>
+            <a:off x="3203848" y="3566629"/>
+            <a:ext cx="648072" cy="360040"/>
+          </a:xfrm>
+          <a:prstGeom prst="rightArrow">
+            <a:avLst/>
+          </a:prstGeom>
+        </p:spPr>
+        <p:style>
+          <a:lnRef idx="2">
+            <a:schemeClr val="accent1">
+              <a:shade val="50000"/>
+            </a:schemeClr>
+          </a:lnRef>
+          <a:fillRef idx="1">
+            <a:schemeClr val="accent1"/>
+          </a:fillRef>
+          <a:effectRef idx="0">
+            <a:schemeClr val="accent1"/>
+          </a:effectRef>
+          <a:fontRef idx="minor">
+            <a:schemeClr val="lt1"/>
+          </a:fontRef>
+        </p:style>
+        <p:txBody>
+          <a:bodyPr rtlCol="0" anchor="ctr"/>
+          <a:lstStyle/>
+          <a:p>
+            <a:pPr algn="ctr"/>
+            <a:endParaRPr lang="zh-CN" altLang="en-US"/>
+          </a:p>
+        </p:txBody>
+      </p:sp>
+      <p:sp>
+        <p:nvSpPr>
+          <p:cNvPr id="11" name="TextBox 10"/>
+          <p:cNvSpPr txBox="1"/>
+          <p:nvPr/>
+        </p:nvSpPr>
+        <p:spPr>
+          <a:xfrm>
+            <a:off x="4644008" y="3384874"/>
+            <a:ext cx="1008112" cy="646331"/>
+          </a:xfrm>
+          <a:prstGeom prst="rect">
+            <a:avLst/>
+          </a:prstGeom>
+          <a:noFill/>
+        </p:spPr>
+        <p:txBody>
+          <a:bodyPr wrap="square" rtlCol="0">
+            <a:spAutoFit/>
+          </a:bodyPr>
+          <a:lstStyle/>
+          <a:p>
+            <a:pPr algn="ctr"/>
+            <a:r>
+              <a:rPr lang="zh-CN" altLang="en-US" dirty="0" smtClean="0"/>
+              <a:t>复制幻灯片</a:t>
+            </a:r>
+            <a:endParaRPr lang="zh-CN" altLang="en-US" dirty="0"/>
+          </a:p>
+        </p:txBody>
+      </p:sp>
+      <p:sp>
+        <p:nvSpPr>
+          <p:cNvPr id="12" name="TextBox 11"/>
+          <p:cNvSpPr txBox="1"/>
+          <p:nvPr/>
+        </p:nvSpPr>
+        <p:spPr>
+          <a:xfrm>
+            <a:off x="7249701" y="2960968"/>
+            <a:ext cx="1152128" cy="180000"/>
+          </a:xfrm>
+          <a:prstGeom prst="rect">
+            <a:avLst/>
+          </a:prstGeom>
+          <a:noFill/>
+          <a:ln w="19050">
+            <a:solidFill>
+              <a:srgbClr val="FF0000"/>
+            </a:solidFill>
+          </a:ln>
+        </p:spPr>
+        <p:txBody>
+          <a:bodyPr wrap="square" rtlCol="0">
+            <a:spAutoFit/>
+          </a:bodyPr>
+          <a:lstStyle/>
+          <a:p>
+            <a:endParaRPr lang="zh-CN" altLang="en-US" dirty="0"/>
+          </a:p>
+        </p:txBody>
+      </p:sp>
+      <p:sp>
+        <p:nvSpPr>
+          <p:cNvPr id="15" name="TextBox 14"/>
+          <p:cNvSpPr txBox="1"/>
+          <p:nvPr/>
+        </p:nvSpPr>
+        <p:spPr>
+          <a:xfrm>
+            <a:off x="251520" y="2204864"/>
+            <a:ext cx="461665" cy="646331"/>
+          </a:xfrm>
+          <a:prstGeom prst="rect">
+            <a:avLst/>
+          </a:prstGeom>
+          <a:noFill/>
+        </p:spPr>
+        <p:txBody>
+          <a:bodyPr vert="eaVert" wrap="square" rtlCol="0">
+            <a:spAutoFit/>
+          </a:bodyPr>
+          <a:lstStyle/>
+          <a:p>
+            <a:r>
+              <a:rPr lang="zh-CN" altLang="en-US" dirty="0" smtClean="0"/>
+              <a:t>删除</a:t>
+            </a:r>
+            <a:endParaRPr lang="zh-CN" altLang="en-US" dirty="0"/>
+          </a:p>
+        </p:txBody>
+      </p:sp>
+      <p:sp>
+        <p:nvSpPr>
+          <p:cNvPr id="16" name="TextBox 15"/>
+          <p:cNvSpPr txBox="1"/>
+          <p:nvPr/>
+        </p:nvSpPr>
+        <p:spPr>
+          <a:xfrm>
+            <a:off x="251520" y="3392976"/>
+            <a:ext cx="461665" cy="646331"/>
+          </a:xfrm>
+          <a:prstGeom prst="rect">
+            <a:avLst/>
+          </a:prstGeom>
+          <a:noFill/>
+        </p:spPr>
+        <p:txBody>
+          <a:bodyPr vert="eaVert" wrap="square" rtlCol="0">
+            <a:spAutoFit/>
+          </a:bodyPr>
+          <a:lstStyle/>
+          <a:p>
+            <a:r>
+              <a:rPr lang="zh-CN" altLang="en-US" dirty="0"/>
+              <a:t>复制</a:t>
+            </a:r>
+          </a:p>
+        </p:txBody>
+      </p:sp>
+      <p:sp>
+        <p:nvSpPr>
+          <p:cNvPr id="17" name="TextBox 16"/>
+          <p:cNvSpPr txBox="1"/>
+          <p:nvPr/>
+        </p:nvSpPr>
+        <p:spPr>
+          <a:xfrm>
+            <a:off x="370931" y="5013176"/>
+            <a:ext cx="461665" cy="646331"/>
+          </a:xfrm>
+          <a:prstGeom prst="rect">
+            <a:avLst/>
+          </a:prstGeom>
+          <a:noFill/>
+        </p:spPr>
+        <p:txBody>
+          <a:bodyPr vert="eaVert" wrap="square" rtlCol="0">
+            <a:spAutoFit/>
+          </a:bodyPr>
+          <a:lstStyle/>
+          <a:p>
+            <a:r>
+              <a:rPr lang="zh-CN" altLang="en-US" dirty="0"/>
+              <a:t>移动</a:t>
+            </a:r>
+          </a:p>
+        </p:txBody>
+      </p:sp>
+      <p:sp>
+        <p:nvSpPr>
+          <p:cNvPr id="18" name="TextBox 17"/>
+          <p:cNvSpPr txBox="1"/>
+          <p:nvPr/>
+        </p:nvSpPr>
+        <p:spPr>
+          <a:xfrm>
+            <a:off x="1139314" y="5075892"/>
+            <a:ext cx="2388569" cy="369332"/>
+          </a:xfrm>
+          <a:prstGeom prst="rect">
+            <a:avLst/>
+          </a:prstGeom>
+          <a:noFill/>
+        </p:spPr>
+        <p:txBody>
+          <a:bodyPr wrap="square" rtlCol="0">
+            <a:spAutoFit/>
+          </a:bodyPr>
+          <a:lstStyle/>
+          <a:p>
+            <a:r>
+              <a:rPr lang="zh-CN" altLang="en-US" dirty="0" smtClean="0"/>
+              <a:t>按住鼠标左键拖动</a:t>
+            </a:r>
+            <a:endParaRPr lang="zh-CN" altLang="en-US" dirty="0"/>
+          </a:p>
+        </p:txBody>
+      </p:sp>
+    </p:spTree>
+    <p:extLst>
+      <p:ext uri="{BB962C8B-B14F-4D97-AF65-F5344CB8AC3E}">
+        <p14:creationId xmlns:p14="http://schemas.microsoft.com/office/powerpoint/2010/main" val="619420981"/>
+      </p:ext>
+    </p:extLst>
+  </p:cSld>
+  <p:clrMapOvr>
+    <a:masterClrMapping/>
+  </p:clrMapOvr>
 </p:sld>
 </file>
 
